--- a/SomSem2014/Group K (ModellingEIS_Orlandi)/Presentations/GroupK_Final Presentation.pptx
+++ b/SomSem2014/Group K (ModellingEIS_Orlandi)/Presentations/GroupK_Final Presentation.pptx
@@ -6,10 +6,10 @@
     <p:sldMasterId id="2147483660" r:id="rId2"/>
   </p:sldMasterIdLst>
   <p:notesMasterIdLst>
-    <p:notesMasterId r:id="rId23"/>
+    <p:notesMasterId r:id="rId24"/>
   </p:notesMasterIdLst>
   <p:handoutMasterIdLst>
-    <p:handoutMasterId r:id="rId24"/>
+    <p:handoutMasterId r:id="rId25"/>
   </p:handoutMasterIdLst>
   <p:sldIdLst>
     <p:sldId id="256" r:id="rId3"/>
@@ -31,7 +31,8 @@
     <p:sldId id="270" r:id="rId19"/>
     <p:sldId id="271" r:id="rId20"/>
     <p:sldId id="275" r:id="rId21"/>
-    <p:sldId id="276" r:id="rId22"/>
+    <p:sldId id="277" r:id="rId22"/>
+    <p:sldId id="276" r:id="rId23"/>
   </p:sldIdLst>
   <p:sldSz cx="10080625" cy="7559675"/>
   <p:notesSz cx="7559675" cy="10691813"/>
@@ -132,7 +133,7 @@
   </p:defaultTextStyle>
   <p:extLst>
     <p:ext uri="{EFAFB233-063F-42B5-8137-9DF3F51BA10A}">
-      <p15:sldGuideLst xmlns:p15="http://schemas.microsoft.com/office/powerpoint/2012/main">
+      <p15:sldGuideLst xmlns:p15="http://schemas.microsoft.com/office/powerpoint/2012/main" xmlns="">
         <p15:guide id="1" orient="horz" pos="2381">
           <p15:clr>
             <a:srgbClr val="A4A3A4"/>
@@ -1761,6 +1762,145 @@
 </p:notes>
 </file>
 
+<file path=ppt/notesSlides/notesSlide19.xml><?xml version="1.0" encoding="utf-8"?>
+<p:notes xmlns:a="http://schemas.openxmlformats.org/drawingml/2006/main" xmlns:r="http://schemas.openxmlformats.org/officeDocument/2006/relationships" xmlns:p="http://schemas.openxmlformats.org/presentationml/2006/main">
+  <p:cSld>
+    <p:spTree>
+      <p:nvGrpSpPr>
+        <p:cNvPr id="1" name=""/>
+        <p:cNvGrpSpPr/>
+        <p:nvPr/>
+      </p:nvGrpSpPr>
+      <p:grpSpPr>
+        <a:xfrm>
+          <a:off x="0" y="0"/>
+          <a:ext cx="0" cy="0"/>
+          <a:chOff x="0" y="0"/>
+          <a:chExt cx="0" cy="0"/>
+        </a:xfrm>
+      </p:grpSpPr>
+      <p:sp>
+        <p:nvSpPr>
+          <p:cNvPr id="2" name="Slide Image Placeholder 1"/>
+          <p:cNvSpPr>
+            <a:spLocks noGrp="1" noRot="1" noChangeAspect="1" noResize="1"/>
+          </p:cNvSpPr>
+          <p:nvPr>
+            <p:ph type="sldImg"/>
+          </p:nvPr>
+        </p:nvSpPr>
+        <p:spPr>
+          <a:xfrm>
+            <a:off x="1106488" y="812800"/>
+            <a:ext cx="5345112" cy="4008438"/>
+          </a:xfrm>
+          <a:solidFill>
+            <a:schemeClr val="accent1"/>
+          </a:solidFill>
+          <a:ln w="25400">
+            <a:solidFill>
+              <a:schemeClr val="accent1">
+                <a:shade val="50000"/>
+              </a:schemeClr>
+            </a:solidFill>
+            <a:prstDash val="solid"/>
+          </a:ln>
+        </p:spPr>
+      </p:sp>
+      <p:sp>
+        <p:nvSpPr>
+          <p:cNvPr id="3" name="Notes Placeholder 2"/>
+          <p:cNvSpPr txBox="1">
+            <a:spLocks noGrp="1"/>
+          </p:cNvSpPr>
+          <p:nvPr>
+            <p:ph type="body" sz="quarter" idx="1"/>
+          </p:nvPr>
+        </p:nvSpPr>
+        <p:spPr>
+          <a:xfrm>
+            <a:off x="756000" y="5078520"/>
+            <a:ext cx="6047640" cy="4811040"/>
+          </a:xfrm>
+        </p:spPr>
+        <p:txBody>
+          <a:bodyPr>
+            <a:spAutoFit/>
+          </a:bodyPr>
+          <a:lstStyle>
+            <a:defPPr lvl="0">
+              <a:buSzPct val="45000"/>
+              <a:buFont typeface="StarSymbol"/>
+              <a:buNone/>
+            </a:defPPr>
+            <a:lvl1pPr lvl="0">
+              <a:buSzPct val="45000"/>
+              <a:buFont typeface="StarSymbol"/>
+              <a:buChar char="●"/>
+            </a:lvl1pPr>
+            <a:lvl2pPr lvl="1">
+              <a:buSzPct val="45000"/>
+              <a:buFont typeface="StarSymbol"/>
+              <a:buChar char="●"/>
+            </a:lvl2pPr>
+            <a:lvl3pPr lvl="2">
+              <a:buSzPct val="45000"/>
+              <a:buFont typeface="StarSymbol"/>
+              <a:buChar char="●"/>
+            </a:lvl3pPr>
+            <a:lvl4pPr lvl="3">
+              <a:buSzPct val="45000"/>
+              <a:buFont typeface="StarSymbol"/>
+              <a:buChar char="●"/>
+            </a:lvl4pPr>
+            <a:lvl5pPr lvl="4">
+              <a:buSzPct val="45000"/>
+              <a:buFont typeface="StarSymbol"/>
+              <a:buChar char="●"/>
+            </a:lvl5pPr>
+            <a:lvl6pPr lvl="5">
+              <a:buSzPct val="45000"/>
+              <a:buFont typeface="StarSymbol"/>
+              <a:buChar char="●"/>
+            </a:lvl6pPr>
+            <a:lvl7pPr lvl="6">
+              <a:buSzPct val="45000"/>
+              <a:buFont typeface="StarSymbol"/>
+              <a:buChar char="●"/>
+            </a:lvl7pPr>
+            <a:lvl8pPr lvl="7">
+              <a:buSzPct val="45000"/>
+              <a:buFont typeface="StarSymbol"/>
+              <a:buChar char="●"/>
+            </a:lvl8pPr>
+            <a:lvl9pPr lvl="8">
+              <a:buSzPct val="45000"/>
+              <a:buFont typeface="StarSymbol"/>
+              <a:buChar char="●"/>
+            </a:lvl9pPr>
+          </a:lstStyle>
+          <a:p>
+            <a:pPr marL="216000" indent="-216000"/>
+            <a:endParaRPr lang="en-US" sz="2810">
+              <a:latin typeface="Albany" pitchFamily="18"/>
+              <a:cs typeface="Tahoma" pitchFamily="2"/>
+            </a:endParaRPr>
+          </a:p>
+        </p:txBody>
+      </p:sp>
+    </p:spTree>
+    <p:extLst>
+      <p:ext uri="{BB962C8B-B14F-4D97-AF65-F5344CB8AC3E}">
+        <p14:creationId xmlns:p14="http://schemas.microsoft.com/office/powerpoint/2010/main" val="2145558428"/>
+      </p:ext>
+    </p:extLst>
+  </p:cSld>
+  <p:clrMapOvr>
+    <a:masterClrMapping/>
+  </p:clrMapOvr>
+</p:notes>
+</file>
+
 <file path=ppt/notesSlides/notesSlide2.xml><?xml version="1.0" encoding="utf-8"?>
 <p:notes xmlns:a="http://schemas.openxmlformats.org/drawingml/2006/main" xmlns:r="http://schemas.openxmlformats.org/officeDocument/2006/relationships" xmlns:p="http://schemas.openxmlformats.org/presentationml/2006/main">
   <p:cSld>
@@ -13431,6 +13571,13 @@
       <p:transition spd="slow"/>
     </mc:Fallback>
   </mc:AlternateContent>
+  <p:timing>
+    <p:tnLst>
+      <p:par>
+        <p:cTn id="1" dur="indefinite" restart="never" nodeType="tmRoot"/>
+      </p:par>
+    </p:tnLst>
+  </p:timing>
 </p:sld>
 </file>
 
@@ -13886,6 +14033,462 @@
 </file>
 
 <file path=ppt/slides/slide20.xml><?xml version="1.0" encoding="utf-8"?>
+<p:sld xmlns:a="http://schemas.openxmlformats.org/drawingml/2006/main" xmlns:r="http://schemas.openxmlformats.org/officeDocument/2006/relationships" xmlns:p="http://schemas.openxmlformats.org/presentationml/2006/main">
+  <p:cSld>
+    <p:spTree>
+      <p:nvGrpSpPr>
+        <p:cNvPr id="1" name=""/>
+        <p:cNvGrpSpPr/>
+        <p:nvPr/>
+      </p:nvGrpSpPr>
+      <p:grpSpPr>
+        <a:xfrm>
+          <a:off x="0" y="0"/>
+          <a:ext cx="0" cy="0"/>
+          <a:chOff x="0" y="0"/>
+          <a:chExt cx="0" cy="0"/>
+        </a:xfrm>
+      </p:grpSpPr>
+      <p:sp>
+        <p:nvSpPr>
+          <p:cNvPr id="2" name="Title 1"/>
+          <p:cNvSpPr txBox="1">
+            <a:spLocks noGrp="1"/>
+          </p:cNvSpPr>
+          <p:nvPr>
+            <p:ph type="title" idx="4294967295"/>
+          </p:nvPr>
+        </p:nvSpPr>
+        <p:spPr>
+          <a:xfrm>
+            <a:off x="503999" y="593846"/>
+            <a:ext cx="9071640" cy="677108"/>
+          </a:xfrm>
+        </p:spPr>
+        <p:txBody>
+          <a:bodyPr>
+            <a:spAutoFit/>
+          </a:bodyPr>
+          <a:lstStyle>
+            <a:defPPr lvl="0">
+              <a:buSzPct val="45000"/>
+              <a:buFont typeface="StarSymbol"/>
+              <a:buNone/>
+            </a:defPPr>
+            <a:lvl1pPr lvl="0">
+              <a:buSzPct val="45000"/>
+              <a:buFont typeface="StarSymbol"/>
+              <a:buChar char="●"/>
+            </a:lvl1pPr>
+            <a:lvl2pPr lvl="1">
+              <a:buSzPct val="45000"/>
+              <a:buFont typeface="StarSymbol"/>
+              <a:buChar char="●"/>
+            </a:lvl2pPr>
+            <a:lvl3pPr lvl="2">
+              <a:buSzPct val="45000"/>
+              <a:buFont typeface="StarSymbol"/>
+              <a:buChar char="●"/>
+            </a:lvl3pPr>
+            <a:lvl4pPr lvl="3">
+              <a:buSzPct val="45000"/>
+              <a:buFont typeface="StarSymbol"/>
+              <a:buChar char="●"/>
+            </a:lvl4pPr>
+            <a:lvl5pPr lvl="4">
+              <a:buSzPct val="45000"/>
+              <a:buFont typeface="StarSymbol"/>
+              <a:buChar char="●"/>
+            </a:lvl5pPr>
+            <a:lvl6pPr lvl="5">
+              <a:buSzPct val="45000"/>
+              <a:buFont typeface="StarSymbol"/>
+              <a:buChar char="●"/>
+            </a:lvl6pPr>
+            <a:lvl7pPr lvl="6">
+              <a:buSzPct val="45000"/>
+              <a:buFont typeface="StarSymbol"/>
+              <a:buChar char="●"/>
+            </a:lvl7pPr>
+            <a:lvl8pPr lvl="7">
+              <a:buSzPct val="45000"/>
+              <a:buFont typeface="StarSymbol"/>
+              <a:buChar char="●"/>
+            </a:lvl8pPr>
+            <a:lvl9pPr lvl="8">
+              <a:buSzPct val="45000"/>
+              <a:buFont typeface="StarSymbol"/>
+              <a:buChar char="●"/>
+            </a:lvl9pPr>
+          </a:lstStyle>
+          <a:p>
+            <a:pPr marL="216000" lvl="0" indent="-360000">
+              <a:buNone/>
+            </a:pPr>
+            <a:r>
+              <a:rPr lang="en-US" dirty="0" smtClean="0"/>
+              <a:t>References</a:t>
+            </a:r>
+            <a:endParaRPr lang="en-US" dirty="0"/>
+          </a:p>
+        </p:txBody>
+      </p:sp>
+      <p:sp>
+        <p:nvSpPr>
+          <p:cNvPr id="3" name="Text Placeholder 2"/>
+          <p:cNvSpPr txBox="1">
+            <a:spLocks noGrp="1"/>
+          </p:cNvSpPr>
+          <p:nvPr>
+            <p:ph type="body" idx="4294967295"/>
+          </p:nvPr>
+        </p:nvSpPr>
+        <p:spPr>
+          <a:xfrm>
+            <a:off x="930600" y="2101680"/>
+            <a:ext cx="8418240" cy="4763159"/>
+          </a:xfrm>
+        </p:spPr>
+        <p:txBody>
+          <a:bodyPr/>
+          <a:lstStyle>
+            <a:defPPr marL="432000" marR="0" lvl="0" indent="-324000">
+              <a:spcBef>
+                <a:spcPts val="0"/>
+              </a:spcBef>
+              <a:spcAft>
+                <a:spcPts val="1417"/>
+              </a:spcAft>
+              <a:buClr>
+                <a:srgbClr val="FFFF00"/>
+              </a:buClr>
+              <a:buSzPct val="45000"/>
+              <a:buFont typeface="StarSymbol"/>
+              <a:buNone/>
+              <a:defRPr lang="en-US" sz="3200" b="0" i="0" u="none" strike="noStrike">
+                <a:ln>
+                  <a:noFill/>
+                </a:ln>
+                <a:solidFill>
+                  <a:srgbClr val="FFFFFF"/>
+                </a:solidFill>
+                <a:latin typeface="Albany" pitchFamily="18"/>
+                <a:ea typeface="Andale Sans UI" pitchFamily="2"/>
+                <a:cs typeface="Tahoma" pitchFamily="2"/>
+              </a:defRPr>
+            </a:defPPr>
+            <a:lvl1pPr marL="432000" marR="0" lvl="0" indent="-324000">
+              <a:spcBef>
+                <a:spcPts val="0"/>
+              </a:spcBef>
+              <a:spcAft>
+                <a:spcPts val="1417"/>
+              </a:spcAft>
+              <a:buClr>
+                <a:srgbClr val="FFFF00"/>
+              </a:buClr>
+              <a:buSzPct val="45000"/>
+              <a:buFont typeface="StarSymbol"/>
+              <a:buChar char="●"/>
+              <a:defRPr lang="en-US" sz="3200" b="0" i="0" u="none" strike="noStrike">
+                <a:ln>
+                  <a:noFill/>
+                </a:ln>
+                <a:solidFill>
+                  <a:srgbClr val="FFFFFF"/>
+                </a:solidFill>
+                <a:latin typeface="Albany" pitchFamily="18"/>
+                <a:ea typeface="Andale Sans UI" pitchFamily="2"/>
+                <a:cs typeface="Tahoma" pitchFamily="2"/>
+              </a:defRPr>
+            </a:lvl1pPr>
+            <a:lvl2pPr marL="864000" marR="0" lvl="1" indent="-288000">
+              <a:spcBef>
+                <a:spcPts val="0"/>
+              </a:spcBef>
+              <a:spcAft>
+                <a:spcPts val="1134"/>
+              </a:spcAft>
+              <a:buClr>
+                <a:srgbClr val="FFFF00"/>
+              </a:buClr>
+              <a:buSzPct val="75000"/>
+              <a:buFont typeface="StarSymbol"/>
+              <a:buChar char="–"/>
+              <a:defRPr lang="en-US" sz="2800" b="0" i="0" u="none" strike="noStrike">
+                <a:ln>
+                  <a:noFill/>
+                </a:ln>
+                <a:solidFill>
+                  <a:srgbClr val="FFFFFF"/>
+                </a:solidFill>
+                <a:latin typeface="Albany" pitchFamily="18"/>
+                <a:ea typeface="Andale Sans UI" pitchFamily="2"/>
+                <a:cs typeface="Tahoma" pitchFamily="2"/>
+              </a:defRPr>
+            </a:lvl2pPr>
+            <a:lvl3pPr marL="1296000" marR="0" lvl="2" indent="-216000">
+              <a:spcBef>
+                <a:spcPts val="0"/>
+              </a:spcBef>
+              <a:spcAft>
+                <a:spcPts val="850"/>
+              </a:spcAft>
+              <a:buClr>
+                <a:srgbClr val="FFFF00"/>
+              </a:buClr>
+              <a:buSzPct val="45000"/>
+              <a:buFont typeface="StarSymbol"/>
+              <a:buChar char="●"/>
+              <a:defRPr lang="en-US" sz="2400" b="0" i="0" u="none" strike="noStrike">
+                <a:ln>
+                  <a:noFill/>
+                </a:ln>
+                <a:solidFill>
+                  <a:srgbClr val="FFFFFF"/>
+                </a:solidFill>
+                <a:latin typeface="Albany" pitchFamily="18"/>
+                <a:ea typeface="Andale Sans UI" pitchFamily="2"/>
+                <a:cs typeface="Tahoma" pitchFamily="2"/>
+              </a:defRPr>
+            </a:lvl3pPr>
+            <a:lvl4pPr marL="1728000" marR="0" lvl="3" indent="-216000">
+              <a:spcBef>
+                <a:spcPts val="0"/>
+              </a:spcBef>
+              <a:spcAft>
+                <a:spcPts val="567"/>
+              </a:spcAft>
+              <a:buClr>
+                <a:srgbClr val="FFFF00"/>
+              </a:buClr>
+              <a:buSzPct val="75000"/>
+              <a:buFont typeface="StarSymbol"/>
+              <a:buChar char="–"/>
+              <a:defRPr lang="en-US" sz="2000" b="0" i="0" u="none" strike="noStrike">
+                <a:ln>
+                  <a:noFill/>
+                </a:ln>
+                <a:solidFill>
+                  <a:srgbClr val="FFFFFF"/>
+                </a:solidFill>
+                <a:latin typeface="Albany" pitchFamily="18"/>
+                <a:ea typeface="Andale Sans UI" pitchFamily="2"/>
+                <a:cs typeface="Tahoma" pitchFamily="2"/>
+              </a:defRPr>
+            </a:lvl4pPr>
+            <a:lvl5pPr marL="2160000" marR="0" lvl="4" indent="-216000">
+              <a:spcBef>
+                <a:spcPts val="0"/>
+              </a:spcBef>
+              <a:spcAft>
+                <a:spcPts val="283"/>
+              </a:spcAft>
+              <a:buClr>
+                <a:srgbClr val="FFFF00"/>
+              </a:buClr>
+              <a:buSzPct val="45000"/>
+              <a:buFont typeface="StarSymbol"/>
+              <a:buChar char="●"/>
+              <a:defRPr lang="en-US" sz="2000" b="0" i="0" u="none" strike="noStrike">
+                <a:ln>
+                  <a:noFill/>
+                </a:ln>
+                <a:solidFill>
+                  <a:srgbClr val="FFFFFF"/>
+                </a:solidFill>
+                <a:latin typeface="Albany" pitchFamily="18"/>
+                <a:ea typeface="Andale Sans UI" pitchFamily="2"/>
+                <a:cs typeface="Tahoma" pitchFamily="2"/>
+              </a:defRPr>
+            </a:lvl5pPr>
+            <a:lvl6pPr marL="2592000" marR="0" lvl="5" indent="-216000">
+              <a:spcBef>
+                <a:spcPts val="0"/>
+              </a:spcBef>
+              <a:spcAft>
+                <a:spcPts val="283"/>
+              </a:spcAft>
+              <a:buClr>
+                <a:srgbClr val="FFFF00"/>
+              </a:buClr>
+              <a:buSzPct val="45000"/>
+              <a:buFont typeface="StarSymbol"/>
+              <a:buChar char="●"/>
+              <a:defRPr lang="en-US" sz="2000" b="0" i="0" u="none" strike="noStrike">
+                <a:ln>
+                  <a:noFill/>
+                </a:ln>
+                <a:solidFill>
+                  <a:srgbClr val="FFFFFF"/>
+                </a:solidFill>
+                <a:latin typeface="Albany" pitchFamily="18"/>
+                <a:ea typeface="Andale Sans UI" pitchFamily="2"/>
+                <a:cs typeface="Tahoma" pitchFamily="2"/>
+              </a:defRPr>
+            </a:lvl6pPr>
+            <a:lvl7pPr marL="3024000" marR="0" lvl="6" indent="-216000">
+              <a:spcBef>
+                <a:spcPts val="0"/>
+              </a:spcBef>
+              <a:spcAft>
+                <a:spcPts val="283"/>
+              </a:spcAft>
+              <a:buClr>
+                <a:srgbClr val="FFFF00"/>
+              </a:buClr>
+              <a:buSzPct val="45000"/>
+              <a:buFont typeface="StarSymbol"/>
+              <a:buChar char="●"/>
+              <a:defRPr lang="en-US" sz="2000" b="0" i="0" u="none" strike="noStrike">
+                <a:ln>
+                  <a:noFill/>
+                </a:ln>
+                <a:solidFill>
+                  <a:srgbClr val="FFFFFF"/>
+                </a:solidFill>
+                <a:latin typeface="Albany" pitchFamily="18"/>
+                <a:ea typeface="Andale Sans UI" pitchFamily="2"/>
+                <a:cs typeface="Tahoma" pitchFamily="2"/>
+              </a:defRPr>
+            </a:lvl7pPr>
+            <a:lvl8pPr marL="3456000" marR="0" lvl="7" indent="-216000">
+              <a:spcBef>
+                <a:spcPts val="0"/>
+              </a:spcBef>
+              <a:spcAft>
+                <a:spcPts val="283"/>
+              </a:spcAft>
+              <a:buClr>
+                <a:srgbClr val="FFFF00"/>
+              </a:buClr>
+              <a:buSzPct val="45000"/>
+              <a:buFont typeface="StarSymbol"/>
+              <a:buChar char="●"/>
+              <a:defRPr lang="en-US" sz="2000" b="0" i="0" u="none" strike="noStrike">
+                <a:ln>
+                  <a:noFill/>
+                </a:ln>
+                <a:solidFill>
+                  <a:srgbClr val="FFFFFF"/>
+                </a:solidFill>
+                <a:latin typeface="Albany" pitchFamily="18"/>
+                <a:ea typeface="Andale Sans UI" pitchFamily="2"/>
+                <a:cs typeface="Tahoma" pitchFamily="2"/>
+              </a:defRPr>
+            </a:lvl8pPr>
+            <a:lvl9pPr marL="3887999" marR="0" lvl="8" indent="-216000">
+              <a:spcBef>
+                <a:spcPts val="0"/>
+              </a:spcBef>
+              <a:spcAft>
+                <a:spcPts val="283"/>
+              </a:spcAft>
+              <a:buClr>
+                <a:srgbClr val="FFFF00"/>
+              </a:buClr>
+              <a:buSzPct val="45000"/>
+              <a:buFont typeface="StarSymbol"/>
+              <a:buChar char="●"/>
+              <a:defRPr lang="en-US" sz="2000" b="0" i="0" u="none" strike="noStrike">
+                <a:ln>
+                  <a:noFill/>
+                </a:ln>
+                <a:solidFill>
+                  <a:srgbClr val="FFFFFF"/>
+                </a:solidFill>
+                <a:latin typeface="Albany" pitchFamily="18"/>
+                <a:ea typeface="Andale Sans UI" pitchFamily="2"/>
+                <a:cs typeface="Tahoma" pitchFamily="2"/>
+              </a:defRPr>
+            </a:lvl9pPr>
+          </a:lstStyle>
+          <a:p>
+            <a:pPr marL="0" lvl="0" indent="0"/>
+            <a:r>
+              <a:rPr lang="en-US" dirty="0"/>
+              <a:t>http://</a:t>
+            </a:r>
+            <a:r>
+              <a:rPr lang="en-US" dirty="0" smtClean="0"/>
+              <a:t>ceur-ws.org/Vol-251/paper9.pdf - </a:t>
+            </a:r>
+            <a:r>
+              <a:rPr lang="en-GB" dirty="0"/>
+              <a:t>Semantic EPC: Enhancing Process </a:t>
+            </a:r>
+            <a:r>
+              <a:rPr lang="en-GB" dirty="0" err="1"/>
+              <a:t>Modeling</a:t>
+            </a:r>
+            <a:r>
+              <a:rPr lang="en-GB" dirty="0"/>
+              <a:t> </a:t>
+            </a:r>
+          </a:p>
+          <a:p>
+            <a:pPr marL="0" lvl="0" indent="0"/>
+            <a:r>
+              <a:rPr lang="en-GB" dirty="0"/>
+              <a:t>Using Ontology Languages </a:t>
+            </a:r>
+            <a:endParaRPr lang="en-US" dirty="0"/>
+          </a:p>
+          <a:p>
+            <a:pPr marL="0" lvl="0" indent="0"/>
+            <a:r>
+              <a:rPr lang="en-US" dirty="0"/>
+              <a:t>http://</a:t>
+            </a:r>
+            <a:r>
+              <a:rPr lang="en-US" dirty="0" smtClean="0"/>
+              <a:t>oro.open.ac.uk/20613/1/p7.pdf</a:t>
+            </a:r>
+            <a:r>
+              <a:rPr lang="en-US" dirty="0"/>
+              <a:t> </a:t>
+            </a:r>
+            <a:r>
+              <a:rPr lang="en-US" dirty="0" smtClean="0"/>
+              <a:t>- </a:t>
+            </a:r>
+            <a:r>
+              <a:rPr lang="en-GB"/>
+              <a:t>The Business Process Modelling Ontology </a:t>
+            </a:r>
+            <a:endParaRPr lang="en-US" dirty="0"/>
+          </a:p>
+        </p:txBody>
+      </p:sp>
+    </p:spTree>
+    <p:extLst>
+      <p:ext uri="{BB962C8B-B14F-4D97-AF65-F5344CB8AC3E}">
+        <p14:creationId xmlns:p14="http://schemas.microsoft.com/office/powerpoint/2010/main" val="689204599"/>
+      </p:ext>
+    </p:extLst>
+  </p:cSld>
+  <p:clrMapOvr>
+    <a:masterClrMapping/>
+  </p:clrMapOvr>
+  <mc:AlternateContent xmlns:mc="http://schemas.openxmlformats.org/markup-compatibility/2006" xmlns:p14="http://schemas.microsoft.com/office/powerpoint/2010/main">
+    <mc:Choice Requires="p14">
+      <p:transition spd="slow" p14:dur="2000"/>
+    </mc:Choice>
+    <mc:Fallback xmlns="">
+      <p:transition spd="slow"/>
+    </mc:Fallback>
+  </mc:AlternateContent>
+  <p:timing>
+    <p:tnLst>
+      <p:par>
+        <p:cTn id="1" dur="indefinite" restart="never" nodeType="tmRoot"/>
+      </p:par>
+    </p:tnLst>
+  </p:timing>
+</p:sld>
+</file>
+
+<file path=ppt/slides/slide21.xml><?xml version="1.0" encoding="utf-8"?>
 <p:sld xmlns:a="http://schemas.openxmlformats.org/drawingml/2006/main" xmlns:r="http://schemas.openxmlformats.org/officeDocument/2006/relationships" xmlns:p="http://schemas.openxmlformats.org/presentationml/2006/main">
   <p:cSld>
     <p:spTree>
@@ -13950,6 +14553,13 @@
       <p:transition spd="slow"/>
     </mc:Fallback>
   </mc:AlternateContent>
+  <p:timing>
+    <p:tnLst>
+      <p:par>
+        <p:cTn id="1" dur="indefinite" restart="never" nodeType="tmRoot"/>
+      </p:par>
+    </p:tnLst>
+  </p:timing>
 </p:sld>
 </file>
 
